--- a/Documents/Features.pptx
+++ b/Documents/Features.pptx
@@ -106,6 +106,11 @@
       </a:defRPr>
     </a:lvl9pPr>
   </p:defaultTextStyle>
+  <p:extLst>
+    <p:ext uri="{EFAFB233-063F-42B5-8137-9DF3F51BA10A}">
+      <p15:sldGuideLst xmlns:p15="http://schemas.microsoft.com/office/powerpoint/2012/main"/>
+    </p:ext>
+  </p:extLst>
 </p:presentation>
 </file>
 
@@ -3480,7 +3485,7 @@
         <p:spPr/>
         <p:txBody>
           <a:bodyPr>
-            <a:normAutofit lnSpcReduction="10000"/>
+            <a:normAutofit fontScale="92500" lnSpcReduction="10000"/>
           </a:bodyPr>
           <a:lstStyle/>
           <a:p>
@@ -3556,6 +3561,13 @@
             <a:r>
               <a:rPr lang="en-SG" dirty="0"/>
               <a:t>Reviews</a:t>
+            </a:r>
+          </a:p>
+          <a:p>
+            <a:pPr lvl="1"/>
+            <a:r>
+              <a:rPr lang="en-SG" dirty="0"/>
+              <a:t>Number Of times a Book accessed</a:t>
             </a:r>
           </a:p>
         </p:txBody>
